--- a/docs/Grundlagen und Einführung/Rechtliche Anforderungen und Einschätzungen/Verarbeitung/Verarbeitung im Funktions-Layer.pptx
+++ b/docs/Grundlagen und Einführung/Rechtliche Anforderungen und Einschätzungen/Verarbeitung/Verarbeitung im Funktions-Layer.pptx
@@ -272,7 +272,7 @@
           <a:p>
             <a:fld id="{B6F79BA6-F17F-4C6E-B5EA-64332919B6DE}" type="datetimeFigureOut">
               <a:rPr lang="de-DE" smtClean="0"/>
-              <a:t>15.12.2023</a:t>
+              <a:t>18.12.2023</a:t>
             </a:fld>
             <a:endParaRPr lang="de-DE"/>
           </a:p>
@@ -472,7 +472,7 @@
           <a:p>
             <a:fld id="{B6F79BA6-F17F-4C6E-B5EA-64332919B6DE}" type="datetimeFigureOut">
               <a:rPr lang="de-DE" smtClean="0"/>
-              <a:t>15.12.2023</a:t>
+              <a:t>18.12.2023</a:t>
             </a:fld>
             <a:endParaRPr lang="de-DE"/>
           </a:p>
@@ -682,7 +682,7 @@
           <a:p>
             <a:fld id="{B6F79BA6-F17F-4C6E-B5EA-64332919B6DE}" type="datetimeFigureOut">
               <a:rPr lang="de-DE" smtClean="0"/>
-              <a:t>15.12.2023</a:t>
+              <a:t>18.12.2023</a:t>
             </a:fld>
             <a:endParaRPr lang="de-DE"/>
           </a:p>
@@ -882,7 +882,7 @@
           <a:p>
             <a:fld id="{B6F79BA6-F17F-4C6E-B5EA-64332919B6DE}" type="datetimeFigureOut">
               <a:rPr lang="de-DE" smtClean="0"/>
-              <a:t>15.12.2023</a:t>
+              <a:t>18.12.2023</a:t>
             </a:fld>
             <a:endParaRPr lang="de-DE"/>
           </a:p>
@@ -1158,7 +1158,7 @@
           <a:p>
             <a:fld id="{B6F79BA6-F17F-4C6E-B5EA-64332919B6DE}" type="datetimeFigureOut">
               <a:rPr lang="de-DE" smtClean="0"/>
-              <a:t>15.12.2023</a:t>
+              <a:t>18.12.2023</a:t>
             </a:fld>
             <a:endParaRPr lang="de-DE"/>
           </a:p>
@@ -1426,7 +1426,7 @@
           <a:p>
             <a:fld id="{B6F79BA6-F17F-4C6E-B5EA-64332919B6DE}" type="datetimeFigureOut">
               <a:rPr lang="de-DE" smtClean="0"/>
-              <a:t>15.12.2023</a:t>
+              <a:t>18.12.2023</a:t>
             </a:fld>
             <a:endParaRPr lang="de-DE"/>
           </a:p>
@@ -1841,7 +1841,7 @@
           <a:p>
             <a:fld id="{B6F79BA6-F17F-4C6E-B5EA-64332919B6DE}" type="datetimeFigureOut">
               <a:rPr lang="de-DE" smtClean="0"/>
-              <a:t>15.12.2023</a:t>
+              <a:t>18.12.2023</a:t>
             </a:fld>
             <a:endParaRPr lang="de-DE"/>
           </a:p>
@@ -1983,7 +1983,7 @@
           <a:p>
             <a:fld id="{B6F79BA6-F17F-4C6E-B5EA-64332919B6DE}" type="datetimeFigureOut">
               <a:rPr lang="de-DE" smtClean="0"/>
-              <a:t>15.12.2023</a:t>
+              <a:t>18.12.2023</a:t>
             </a:fld>
             <a:endParaRPr lang="de-DE"/>
           </a:p>
@@ -2096,7 +2096,7 @@
           <a:p>
             <a:fld id="{B6F79BA6-F17F-4C6E-B5EA-64332919B6DE}" type="datetimeFigureOut">
               <a:rPr lang="de-DE" smtClean="0"/>
-              <a:t>15.12.2023</a:t>
+              <a:t>18.12.2023</a:t>
             </a:fld>
             <a:endParaRPr lang="de-DE"/>
           </a:p>
@@ -2409,7 +2409,7 @@
           <a:p>
             <a:fld id="{B6F79BA6-F17F-4C6E-B5EA-64332919B6DE}" type="datetimeFigureOut">
               <a:rPr lang="de-DE" smtClean="0"/>
-              <a:t>15.12.2023</a:t>
+              <a:t>18.12.2023</a:t>
             </a:fld>
             <a:endParaRPr lang="de-DE"/>
           </a:p>
@@ -2698,7 +2698,7 @@
           <a:p>
             <a:fld id="{B6F79BA6-F17F-4C6E-B5EA-64332919B6DE}" type="datetimeFigureOut">
               <a:rPr lang="de-DE" smtClean="0"/>
-              <a:t>15.12.2023</a:t>
+              <a:t>18.12.2023</a:t>
             </a:fld>
             <a:endParaRPr lang="de-DE"/>
           </a:p>
@@ -2941,7 +2941,7 @@
           <a:p>
             <a:fld id="{B6F79BA6-F17F-4C6E-B5EA-64332919B6DE}" type="datetimeFigureOut">
               <a:rPr lang="de-DE" smtClean="0"/>
-              <a:t>15.12.2023</a:t>
+              <a:t>18.12.2023</a:t>
             </a:fld>
             <a:endParaRPr lang="de-DE"/>
           </a:p>
@@ -3591,9 +3591,7 @@
           <a:prstGeom prst="roundRect">
             <a:avLst/>
           </a:prstGeom>
-          <a:solidFill>
-            <a:schemeClr val="bg1"/>
-          </a:solidFill>
+          <a:noFill/>
           <a:ln>
             <a:noFill/>
           </a:ln>
@@ -3672,9 +3670,7 @@
           <a:prstGeom prst="roundRect">
             <a:avLst/>
           </a:prstGeom>
-          <a:solidFill>
-            <a:schemeClr val="bg1"/>
-          </a:solidFill>
+          <a:noFill/>
           <a:ln>
             <a:noFill/>
           </a:ln>
@@ -3943,9 +3939,7 @@
           <a:prstGeom prst="roundRect">
             <a:avLst/>
           </a:prstGeom>
-          <a:solidFill>
-            <a:schemeClr val="bg1"/>
-          </a:solidFill>
+          <a:noFill/>
           <a:ln>
             <a:noFill/>
           </a:ln>
@@ -4423,9 +4417,7 @@
           <a:prstGeom prst="roundRect">
             <a:avLst/>
           </a:prstGeom>
-          <a:solidFill>
-            <a:schemeClr val="bg1"/>
-          </a:solidFill>
+          <a:noFill/>
           <a:ln>
             <a:noFill/>
           </a:ln>
@@ -4504,9 +4496,7 @@
           <a:prstGeom prst="roundRect">
             <a:avLst/>
           </a:prstGeom>
-          <a:solidFill>
-            <a:schemeClr val="bg1"/>
-          </a:solidFill>
+          <a:noFill/>
           <a:ln>
             <a:noFill/>
           </a:ln>
@@ -4723,9 +4713,7 @@
           <a:prstGeom prst="roundRect">
             <a:avLst/>
           </a:prstGeom>
-          <a:solidFill>
-            <a:schemeClr val="bg1"/>
-          </a:solidFill>
+          <a:noFill/>
           <a:ln>
             <a:noFill/>
           </a:ln>
